--- a/PPT_AIDIDMYCODE_C1.pptx
+++ b/PPT_AIDIDMYCODE_C1.pptx
@@ -2454,7 +2454,7 @@
   <p:cSld>
     <p:spTree>
       <p:nvGrpSpPr>
-        <p:cNvPr id="140" name="Shape 140"/>
+        <p:cNvPr id="141" name="Shape 141"/>
         <p:cNvGrpSpPr/>
         <p:nvPr/>
       </p:nvGrpSpPr>
@@ -2468,7 +2468,7 @@
       </p:grpSpPr>
       <p:sp>
         <p:nvSpPr>
-          <p:cNvPr id="141" name="Google Shape;141;g345d63b19ad_3_14:notes"/>
+          <p:cNvPr id="142" name="Google Shape;142;g345d63b19ad_3_14:notes"/>
           <p:cNvSpPr txBox="1"/>
           <p:nvPr>
             <p:ph idx="2" type="hdr"/>
@@ -2527,7 +2527,7 @@
       </p:sp>
       <p:sp>
         <p:nvSpPr>
-          <p:cNvPr id="142" name="Google Shape;142;g345d63b19ad_3_14:notes"/>
+          <p:cNvPr id="143" name="Google Shape;143;g345d63b19ad_3_14:notes"/>
           <p:cNvSpPr txBox="1"/>
           <p:nvPr>
             <p:ph idx="10" type="dt"/>
@@ -2595,7 +2595,7 @@
       </p:sp>
       <p:sp>
         <p:nvSpPr>
-          <p:cNvPr id="143" name="Google Shape;143;g345d63b19ad_3_14:notes"/>
+          <p:cNvPr id="144" name="Google Shape;144;g345d63b19ad_3_14:notes"/>
           <p:cNvSpPr/>
           <p:nvPr>
             <p:ph idx="3" type="sldImg"/>
@@ -2640,7 +2640,7 @@
       </p:sp>
       <p:sp>
         <p:nvSpPr>
-          <p:cNvPr id="144" name="Google Shape;144;g345d63b19ad_3_14:notes"/>
+          <p:cNvPr id="145" name="Google Shape;145;g345d63b19ad_3_14:notes"/>
           <p:cNvSpPr txBox="1"/>
           <p:nvPr>
             <p:ph idx="1" type="body"/>
@@ -2687,7 +2687,7 @@
       </p:sp>
       <p:sp>
         <p:nvSpPr>
-          <p:cNvPr id="145" name="Google Shape;145;g345d63b19ad_3_14:notes"/>
+          <p:cNvPr id="146" name="Google Shape;146;g345d63b19ad_3_14:notes"/>
           <p:cNvSpPr txBox="1"/>
           <p:nvPr>
             <p:ph idx="11" type="ftr"/>
@@ -2746,7 +2746,7 @@
       </p:sp>
       <p:sp>
         <p:nvSpPr>
-          <p:cNvPr id="146" name="Google Shape;146;g345d63b19ad_3_14:notes"/>
+          <p:cNvPr id="147" name="Google Shape;147;g345d63b19ad_3_14:notes"/>
           <p:cNvSpPr txBox="1"/>
           <p:nvPr>
             <p:ph idx="12" type="sldNum"/>
@@ -2825,7 +2825,7 @@
   <p:cSld>
     <p:spTree>
       <p:nvGrpSpPr>
-        <p:cNvPr id="151" name="Shape 151"/>
+        <p:cNvPr id="152" name="Shape 152"/>
         <p:cNvGrpSpPr/>
         <p:nvPr/>
       </p:nvGrpSpPr>
@@ -2839,7 +2839,7 @@
       </p:grpSpPr>
       <p:sp>
         <p:nvSpPr>
-          <p:cNvPr id="152" name="Google Shape;152;p7:notes"/>
+          <p:cNvPr id="153" name="Google Shape;153;p7:notes"/>
           <p:cNvSpPr txBox="1"/>
           <p:nvPr>
             <p:ph idx="2" type="hdr"/>
@@ -2898,7 +2898,7 @@
       </p:sp>
       <p:sp>
         <p:nvSpPr>
-          <p:cNvPr id="153" name="Google Shape;153;p7:notes"/>
+          <p:cNvPr id="154" name="Google Shape;154;p7:notes"/>
           <p:cNvSpPr txBox="1"/>
           <p:nvPr>
             <p:ph idx="10" type="dt"/>
@@ -2966,7 +2966,7 @@
       </p:sp>
       <p:sp>
         <p:nvSpPr>
-          <p:cNvPr id="154" name="Google Shape;154;p7:notes"/>
+          <p:cNvPr id="155" name="Google Shape;155;p7:notes"/>
           <p:cNvSpPr/>
           <p:nvPr>
             <p:ph idx="3" type="sldImg"/>
@@ -3011,7 +3011,7 @@
       </p:sp>
       <p:sp>
         <p:nvSpPr>
-          <p:cNvPr id="155" name="Google Shape;155;p7:notes"/>
+          <p:cNvPr id="156" name="Google Shape;156;p7:notes"/>
           <p:cNvSpPr txBox="1"/>
           <p:nvPr>
             <p:ph idx="1" type="body"/>
@@ -3058,7 +3058,7 @@
       </p:sp>
       <p:sp>
         <p:nvSpPr>
-          <p:cNvPr id="156" name="Google Shape;156;p7:notes"/>
+          <p:cNvPr id="157" name="Google Shape;157;p7:notes"/>
           <p:cNvSpPr txBox="1"/>
           <p:nvPr>
             <p:ph idx="11" type="ftr"/>
@@ -3117,7 +3117,7 @@
       </p:sp>
       <p:sp>
         <p:nvSpPr>
-          <p:cNvPr id="157" name="Google Shape;157;p7:notes"/>
+          <p:cNvPr id="158" name="Google Shape;158;p7:notes"/>
           <p:cNvSpPr txBox="1"/>
           <p:nvPr>
             <p:ph idx="12" type="sldNum"/>
@@ -16670,7 +16670,7 @@
               <a:buNone/>
             </a:pPr>
             <a:r>
-              <a:rPr b="0" i="0" lang="en" sz="2600" u="none" cap="none" strike="noStrike">
+              <a:rPr b="0" i="0" lang="en" sz="2400" u="none" cap="none" strike="noStrike">
                 <a:solidFill>
                   <a:schemeClr val="dk1"/>
                 </a:solidFill>
@@ -16681,7 +16681,7 @@
               </a:rPr>
               <a:t>Idea / Approach details (&amp; implemented features) </a:t>
             </a:r>
-            <a:endParaRPr b="0" i="0" sz="2600" u="none" cap="none" strike="noStrike">
+            <a:endParaRPr b="0" i="0" sz="2400" u="none" cap="none" strike="noStrike">
               <a:solidFill>
                 <a:schemeClr val="dk1"/>
               </a:solidFill>
@@ -16712,7 +16712,7 @@
             <a:r>
               <a:t/>
             </a:r>
-            <a:endParaRPr b="0" i="0" sz="1000" u="none" cap="none" strike="noStrike">
+            <a:endParaRPr b="0" i="0" sz="2400" u="none" cap="none" strike="noStrike">
               <a:solidFill>
                 <a:schemeClr val="dk1"/>
               </a:solidFill>
@@ -16732,7 +16732,7 @@
         </p:nvSpPr>
         <p:spPr>
           <a:xfrm>
-            <a:off x="920175" y="1502150"/>
+            <a:off x="744000" y="1361250"/>
             <a:ext cx="6850200" cy="3295200"/>
           </a:xfrm>
           <a:prstGeom prst="rect">
@@ -16767,7 +16767,7 @@
               <a:buNone/>
             </a:pPr>
             <a:r>
-              <a:rPr b="1" lang="en" sz="1300">
+              <a:rPr b="1" lang="en" sz="1200">
                 <a:solidFill>
                   <a:schemeClr val="dk1"/>
                 </a:solidFill>
@@ -16778,7 +16778,7 @@
               </a:rPr>
               <a:t>Idea:</a:t>
             </a:r>
-            <a:endParaRPr b="1" sz="1100">
+            <a:endParaRPr b="1" sz="1200">
               <a:solidFill>
                 <a:schemeClr val="dk1"/>
               </a:solidFill>
@@ -16789,7 +16789,7 @@
             </a:endParaRPr>
           </a:p>
           <a:p>
-            <a:pPr indent="-298450" lvl="0" marL="457200" rtl="0" algn="l">
+            <a:pPr indent="-304800" lvl="0" marL="457200" rtl="0" algn="l">
               <a:lnSpc>
                 <a:spcPct val="115000"/>
               </a:lnSpc>
@@ -16802,12 +16802,12 @@
               <a:buClr>
                 <a:schemeClr val="dk1"/>
               </a:buClr>
-              <a:buSzPts val="1100"/>
+              <a:buSzPts val="1200"/>
               <a:buFont typeface="Lexend Deca"/>
               <a:buChar char="●"/>
             </a:pPr>
             <a:r>
-              <a:rPr b="1" lang="en" sz="1100">
+              <a:rPr b="1" lang="en" sz="1200">
                 <a:solidFill>
                   <a:schemeClr val="dk1"/>
                 </a:solidFill>
@@ -16819,7 +16819,7 @@
               <a:t>JustFair</a:t>
             </a:r>
             <a:r>
-              <a:rPr lang="en" sz="1100">
+              <a:rPr lang="en" sz="1200">
                 <a:solidFill>
                   <a:schemeClr val="dk1"/>
                 </a:solidFill>
@@ -16831,7 +16831,7 @@
               <a:t> provides AI-powered </a:t>
             </a:r>
             <a:r>
-              <a:rPr b="1" lang="en" sz="1100">
+              <a:rPr b="1" lang="en" sz="1200">
                 <a:solidFill>
                   <a:schemeClr val="dk1"/>
                 </a:solidFill>
@@ -16843,7 +16843,7 @@
               <a:t>legal assistance</a:t>
             </a:r>
             <a:r>
-              <a:rPr lang="en" sz="1100">
+              <a:rPr lang="en" sz="1200">
                 <a:solidFill>
                   <a:schemeClr val="dk1"/>
                 </a:solidFill>
@@ -16855,7 +16855,7 @@
               <a:t> for individuals facing false allegations.</a:t>
             </a:r>
             <a:br>
-              <a:rPr lang="en" sz="1100">
+              <a:rPr lang="en" sz="1200">
                 <a:solidFill>
                   <a:schemeClr val="dk1"/>
                 </a:solidFill>
@@ -16865,7 +16865,7 @@
                 <a:sym typeface="Lexend Deca"/>
               </a:rPr>
             </a:br>
-            <a:endParaRPr sz="1100">
+            <a:endParaRPr sz="1200">
               <a:solidFill>
                 <a:schemeClr val="dk1"/>
               </a:solidFill>
@@ -16876,7 +16876,7 @@
             </a:endParaRPr>
           </a:p>
           <a:p>
-            <a:pPr indent="-298450" lvl="0" marL="457200" rtl="0" algn="l">
+            <a:pPr indent="-304800" lvl="0" marL="457200" rtl="0" algn="l">
               <a:lnSpc>
                 <a:spcPct val="115000"/>
               </a:lnSpc>
@@ -16889,12 +16889,12 @@
               <a:buClr>
                 <a:schemeClr val="dk1"/>
               </a:buClr>
-              <a:buSzPts val="1100"/>
+              <a:buSzPts val="1200"/>
               <a:buFont typeface="Lexend Deca"/>
               <a:buChar char="●"/>
             </a:pPr>
             <a:r>
-              <a:rPr lang="en" sz="1100">
+              <a:rPr lang="en" sz="1200">
                 <a:solidFill>
                   <a:schemeClr val="dk1"/>
                 </a:solidFill>
@@ -16906,7 +16906,7 @@
               <a:t>Uses </a:t>
             </a:r>
             <a:r>
-              <a:rPr b="1" lang="en" sz="1100">
+              <a:rPr b="1" lang="en" sz="1200">
                 <a:solidFill>
                   <a:schemeClr val="dk1"/>
                 </a:solidFill>
@@ -16918,7 +16918,7 @@
               <a:t>AI-driven case assessment, legal aid chatbot, and lawyer directory</a:t>
             </a:r>
             <a:r>
-              <a:rPr lang="en" sz="1100">
+              <a:rPr lang="en" sz="1200">
                 <a:solidFill>
                   <a:schemeClr val="dk1"/>
                 </a:solidFill>
@@ -16930,7 +16930,7 @@
               <a:t> to offer </a:t>
             </a:r>
             <a:r>
-              <a:rPr b="1" lang="en" sz="1100">
+              <a:rPr b="1" lang="en" sz="1200">
                 <a:solidFill>
                   <a:schemeClr val="dk1"/>
                 </a:solidFill>
@@ -16942,7 +16942,7 @@
               <a:t>affordable</a:t>
             </a:r>
             <a:r>
-              <a:rPr lang="en" sz="1100">
+              <a:rPr lang="en" sz="1200">
                 <a:solidFill>
                   <a:schemeClr val="dk1"/>
                 </a:solidFill>
@@ -16954,7 +16954,7 @@
               <a:t> &amp; </a:t>
             </a:r>
             <a:r>
-              <a:rPr b="1" lang="en" sz="1100">
+              <a:rPr b="1" lang="en" sz="1200">
                 <a:solidFill>
                   <a:schemeClr val="dk1"/>
                 </a:solidFill>
@@ -16966,7 +16966,7 @@
               <a:t>accessible</a:t>
             </a:r>
             <a:r>
-              <a:rPr lang="en" sz="1100">
+              <a:rPr lang="en" sz="1200">
                 <a:solidFill>
                   <a:schemeClr val="dk1"/>
                 </a:solidFill>
@@ -16978,7 +16978,7 @@
               <a:t> support.</a:t>
             </a:r>
             <a:br>
-              <a:rPr lang="en" sz="1100">
+              <a:rPr lang="en" sz="1200">
                 <a:solidFill>
                   <a:schemeClr val="dk1"/>
                 </a:solidFill>
@@ -16988,7 +16988,7 @@
                 <a:sym typeface="Lexend Deca"/>
               </a:rPr>
             </a:br>
-            <a:endParaRPr sz="1100">
+            <a:endParaRPr sz="1200">
               <a:solidFill>
                 <a:schemeClr val="dk1"/>
               </a:solidFill>
@@ -17017,7 +17017,7 @@
               <a:buNone/>
             </a:pPr>
             <a:r>
-              <a:rPr lang="en" sz="1100">
+              <a:rPr lang="en" sz="1200">
                 <a:solidFill>
                   <a:schemeClr val="dk1"/>
                 </a:solidFill>
@@ -17029,7 +17029,7 @@
               <a:t> </a:t>
             </a:r>
             <a:r>
-              <a:rPr b="1" lang="en" sz="1100">
+              <a:rPr b="1" lang="en" sz="1200">
                 <a:solidFill>
                   <a:schemeClr val="dk1"/>
                 </a:solidFill>
@@ -17040,7 +17040,7 @@
               </a:rPr>
               <a:t>Implemented Features:</a:t>
             </a:r>
-            <a:endParaRPr b="1" sz="1100">
+            <a:endParaRPr b="1" sz="1200">
               <a:solidFill>
                 <a:schemeClr val="dk1"/>
               </a:solidFill>
@@ -17064,7 +17064,7 @@
               <a:buNone/>
             </a:pPr>
             <a:br>
-              <a:rPr b="1" lang="en" sz="1100">
+              <a:rPr b="1" lang="en" sz="1200">
                 <a:solidFill>
                   <a:schemeClr val="dk1"/>
                 </a:solidFill>
@@ -17075,7 +17075,7 @@
               </a:rPr>
             </a:br>
             <a:r>
-              <a:rPr lang="en" sz="1100">
+              <a:rPr lang="en" sz="1200">
                 <a:solidFill>
                   <a:schemeClr val="dk1"/>
                 </a:solidFill>
@@ -17087,7 +17087,7 @@
               <a:t>  </a:t>
             </a:r>
             <a:r>
-              <a:rPr b="1" lang="en" sz="1100">
+              <a:rPr b="1" lang="en" sz="1200">
                 <a:solidFill>
                   <a:schemeClr val="dk1"/>
                 </a:solidFill>
@@ -17099,7 +17099,7 @@
               <a:t>AI Case Assessment</a:t>
             </a:r>
             <a:r>
-              <a:rPr lang="en" sz="1100">
+              <a:rPr lang="en" sz="1200">
                 <a:solidFill>
                   <a:schemeClr val="dk1"/>
                 </a:solidFill>
@@ -17111,7 +17111,7 @@
               <a:t> – Analyzes case details &amp; detects legal red flags.</a:t>
             </a:r>
             <a:br>
-              <a:rPr lang="en" sz="1100">
+              <a:rPr lang="en" sz="1200">
                 <a:solidFill>
                   <a:schemeClr val="dk1"/>
                 </a:solidFill>
@@ -17122,7 +17122,7 @@
               </a:rPr>
             </a:br>
             <a:r>
-              <a:rPr lang="en" sz="1100">
+              <a:rPr lang="en" sz="1200">
                 <a:solidFill>
                   <a:schemeClr val="dk1"/>
                 </a:solidFill>
@@ -17134,7 +17134,7 @@
               <a:t>  </a:t>
             </a:r>
             <a:r>
-              <a:rPr b="1" lang="en" sz="1100">
+              <a:rPr b="1" lang="en" sz="1200">
                 <a:solidFill>
                   <a:schemeClr val="dk1"/>
                 </a:solidFill>
@@ -17146,7 +17146,7 @@
               <a:t>Legal Aid Chatbot</a:t>
             </a:r>
             <a:r>
-              <a:rPr lang="en" sz="1100">
+              <a:rPr lang="en" sz="1200">
                 <a:solidFill>
                   <a:schemeClr val="dk1"/>
                 </a:solidFill>
@@ -17158,7 +17158,7 @@
               <a:t> – Provides instant legal guidance using NLP models.</a:t>
             </a:r>
             <a:br>
-              <a:rPr lang="en" sz="1100">
+              <a:rPr lang="en" sz="1200">
                 <a:solidFill>
                   <a:schemeClr val="dk1"/>
                 </a:solidFill>
@@ -17169,7 +17169,7 @@
               </a:rPr>
             </a:br>
             <a:r>
-              <a:rPr lang="en" sz="1100">
+              <a:rPr lang="en" sz="1200">
                 <a:solidFill>
                   <a:schemeClr val="dk1"/>
                 </a:solidFill>
@@ -17181,7 +17181,7 @@
               <a:t> </a:t>
             </a:r>
             <a:r>
-              <a:rPr lang="en" sz="1100">
+              <a:rPr lang="en" sz="1200">
                 <a:solidFill>
                   <a:schemeClr val="dk1"/>
                 </a:solidFill>
@@ -17193,7 +17193,7 @@
               <a:t> </a:t>
             </a:r>
             <a:r>
-              <a:rPr b="1" lang="en" sz="1100">
+              <a:rPr b="1" lang="en" sz="1200">
                 <a:solidFill>
                   <a:schemeClr val="dk1"/>
                 </a:solidFill>
@@ -17205,7 +17205,7 @@
               <a:t>Lawyer &amp; Therapist Directory</a:t>
             </a:r>
             <a:r>
-              <a:rPr lang="en" sz="1100">
+              <a:rPr lang="en" sz="1200">
                 <a:solidFill>
                   <a:schemeClr val="dk1"/>
                 </a:solidFill>
@@ -17217,7 +17217,7 @@
               <a:t> – Connects users with verified professionals.</a:t>
             </a:r>
             <a:br>
-              <a:rPr lang="en" sz="1100">
+              <a:rPr lang="en" sz="1200">
                 <a:solidFill>
                   <a:schemeClr val="dk1"/>
                 </a:solidFill>
@@ -17228,7 +17228,7 @@
               </a:rPr>
             </a:br>
             <a:r>
-              <a:rPr lang="en" sz="1100">
+              <a:rPr lang="en" sz="1200">
                 <a:solidFill>
                   <a:schemeClr val="dk1"/>
                 </a:solidFill>
@@ -17240,7 +17240,7 @@
               <a:t>  </a:t>
             </a:r>
             <a:r>
-              <a:rPr b="1" lang="en" sz="1100">
+              <a:rPr b="1" lang="en" sz="1200">
                 <a:solidFill>
                   <a:schemeClr val="dk1"/>
                 </a:solidFill>
@@ -17252,7 +17252,7 @@
               <a:t>User-Friendly Dashboard</a:t>
             </a:r>
             <a:r>
-              <a:rPr lang="en" sz="1100">
+              <a:rPr lang="en" sz="1200">
                 <a:solidFill>
                   <a:schemeClr val="dk1"/>
                 </a:solidFill>
@@ -17264,7 +17264,7 @@
               <a:t> – Submit cases, track progress, and access resources.</a:t>
             </a:r>
             <a:br>
-              <a:rPr lang="en" sz="1100">
+              <a:rPr lang="en" sz="1200">
                 <a:solidFill>
                   <a:schemeClr val="dk1"/>
                 </a:solidFill>
@@ -17275,7 +17275,7 @@
               </a:rPr>
             </a:br>
             <a:r>
-              <a:rPr lang="en" sz="1100">
+              <a:rPr lang="en" sz="1200">
                 <a:solidFill>
                   <a:schemeClr val="dk1"/>
                 </a:solidFill>
@@ -17286,7 +17286,7 @@
               </a:rPr>
               <a:t>  </a:t>
             </a:r>
-            <a:endParaRPr sz="1600">
+            <a:endParaRPr sz="1200">
               <a:solidFill>
                 <a:schemeClr val="dk1"/>
               </a:solidFill>
@@ -19531,14 +19531,20 @@
         <p:spPr>
           <a:xfrm>
             <a:off x="1033850" y="1458675"/>
-            <a:ext cx="3123475" cy="1611376"/>
+            <a:ext cx="3538151" cy="1825303"/>
           </a:xfrm>
           <a:prstGeom prst="rect">
             <a:avLst/>
           </a:prstGeom>
           <a:noFill/>
-          <a:ln>
-            <a:noFill/>
+          <a:ln cap="flat" cmpd="sng" w="28575">
+            <a:solidFill>
+              <a:schemeClr val="dk2"/>
+            </a:solidFill>
+            <a:prstDash val="solid"/>
+            <a:round/>
+            <a:headEnd len="sm" w="sm" type="none"/>
+            <a:tailEnd len="sm" w="sm" type="none"/>
           </a:ln>
         </p:spPr>
       </p:pic>
@@ -19550,8 +19556,8 @@
         </p:nvSpPr>
         <p:spPr>
           <a:xfrm>
-            <a:off x="1728738" y="3070050"/>
-            <a:ext cx="1733700" cy="298800"/>
+            <a:off x="1547425" y="3283975"/>
+            <a:ext cx="2511000" cy="298800"/>
           </a:xfrm>
           <a:prstGeom prst="rect">
             <a:avLst/>
@@ -19577,7 +19583,7 @@
               <a:buNone/>
             </a:pPr>
             <a:r>
-              <a:rPr b="1" lang="en" sz="1300">
+              <a:rPr b="1" lang="en" sz="1500">
                 <a:solidFill>
                   <a:schemeClr val="dk1"/>
                 </a:solidFill>
@@ -19586,9 +19592,9 @@
                 <a:cs typeface="Calibri"/>
                 <a:sym typeface="Calibri"/>
               </a:rPr>
-              <a:t>Dashboard for the site</a:t>
+              <a:t>DASHBOARD FOR THE SITE</a:t>
             </a:r>
-            <a:endParaRPr b="1" sz="1300">
+            <a:endParaRPr b="1" sz="1500">
               <a:solidFill>
                 <a:schemeClr val="dk1"/>
               </a:solidFill>
@@ -19616,15 +19622,21 @@
         </p:blipFill>
         <p:spPr>
           <a:xfrm>
-            <a:off x="5225025" y="1458675"/>
-            <a:ext cx="3132931" cy="1611376"/>
+            <a:off x="4819799" y="1458675"/>
+            <a:ext cx="3538151" cy="1819796"/>
           </a:xfrm>
           <a:prstGeom prst="rect">
             <a:avLst/>
           </a:prstGeom>
           <a:noFill/>
-          <a:ln>
-            <a:noFill/>
+          <a:ln cap="flat" cmpd="sng" w="28575">
+            <a:solidFill>
+              <a:schemeClr val="dk2"/>
+            </a:solidFill>
+            <a:prstDash val="solid"/>
+            <a:round/>
+            <a:headEnd len="sm" w="sm" type="none"/>
+            <a:tailEnd len="sm" w="sm" type="none"/>
           </a:ln>
         </p:spPr>
       </p:pic>
@@ -19636,8 +19648,8 @@
         </p:nvSpPr>
         <p:spPr>
           <a:xfrm>
-            <a:off x="5924638" y="3027000"/>
-            <a:ext cx="1733700" cy="384900"/>
+            <a:off x="5391275" y="3283975"/>
+            <a:ext cx="2395200" cy="415500"/>
           </a:xfrm>
           <a:prstGeom prst="rect">
             <a:avLst/>
@@ -19663,7 +19675,7 @@
               <a:buNone/>
             </a:pPr>
             <a:r>
-              <a:rPr b="1" lang="en" sz="1300">
+              <a:rPr b="1" lang="en" sz="1500">
                 <a:solidFill>
                   <a:schemeClr val="dk1"/>
                 </a:solidFill>
@@ -19672,9 +19684,9 @@
                 <a:cs typeface="Calibri"/>
                 <a:sym typeface="Calibri"/>
               </a:rPr>
-              <a:t>Dashboard for the site</a:t>
+              <a:t>DASHBOARD FOR THE SITE</a:t>
             </a:r>
-            <a:endParaRPr b="1" sz="1300">
+            <a:endParaRPr b="1" sz="1500">
               <a:solidFill>
                 <a:schemeClr val="dk1"/>
               </a:solidFill>
@@ -19694,8 +19706,8 @@
         </p:nvSpPr>
         <p:spPr>
           <a:xfrm>
-            <a:off x="1033850" y="3912325"/>
-            <a:ext cx="5948400" cy="413700"/>
+            <a:off x="980825" y="3912325"/>
+            <a:ext cx="6882900" cy="413700"/>
           </a:xfrm>
           <a:prstGeom prst="rect">
             <a:avLst/>
@@ -19718,6 +19730,11 @@
               <a:spcAft>
                 <a:spcPts val="0"/>
               </a:spcAft>
+              <a:buClr>
+                <a:schemeClr val="dk1"/>
+              </a:buClr>
+              <a:buSzPts val="1100"/>
+              <a:buFont typeface="Arial"/>
               <a:buNone/>
             </a:pPr>
             <a:r>
@@ -19745,7 +19762,129 @@
               </a:rPr>
               <a:t>POSTGRESQL DB</a:t>
             </a:r>
+            <a:r>
+              <a:rPr b="1" lang="en" sz="1600">
+                <a:solidFill>
+                  <a:schemeClr val="dk1"/>
+                </a:solidFill>
+                <a:latin typeface="Calibri"/>
+                <a:ea typeface="Calibri"/>
+                <a:cs typeface="Calibri"/>
+                <a:sym typeface="Calibri"/>
+              </a:rPr>
+              <a:t>  </a:t>
+            </a:r>
+            <a:r>
+              <a:rPr b="1" lang="en" sz="1600" u="sng">
+                <a:solidFill>
+                  <a:schemeClr val="hlink"/>
+                </a:solidFill>
+                <a:latin typeface="Calibri"/>
+                <a:ea typeface="Calibri"/>
+                <a:cs typeface="Calibri"/>
+                <a:sym typeface="Calibri"/>
+                <a:hlinkClick r:id="rId7"/>
+              </a:rPr>
+              <a:t>BACKEND SERVER</a:t>
+            </a:r>
+            <a:r>
+              <a:rPr b="1" lang="en" sz="1600">
+                <a:solidFill>
+                  <a:schemeClr val="dk1"/>
+                </a:solidFill>
+                <a:latin typeface="Calibri"/>
+                <a:ea typeface="Calibri"/>
+                <a:cs typeface="Calibri"/>
+                <a:sym typeface="Calibri"/>
+              </a:rPr>
+              <a:t>  </a:t>
+            </a:r>
+            <a:r>
+              <a:rPr b="1" lang="en" sz="1600" u="sng">
+                <a:solidFill>
+                  <a:schemeClr val="hlink"/>
+                </a:solidFill>
+                <a:latin typeface="Calibri"/>
+                <a:ea typeface="Calibri"/>
+                <a:cs typeface="Calibri"/>
+                <a:sym typeface="Calibri"/>
+                <a:hlinkClick r:id="rId8"/>
+              </a:rPr>
+              <a:t>TRAINED MODEL</a:t>
+            </a:r>
             <a:endParaRPr b="1" sz="1600">
+              <a:solidFill>
+                <a:schemeClr val="dk1"/>
+              </a:solidFill>
+              <a:latin typeface="Calibri"/>
+              <a:ea typeface="Calibri"/>
+              <a:cs typeface="Calibri"/>
+              <a:sym typeface="Calibri"/>
+            </a:endParaRPr>
+          </a:p>
+          <a:p>
+            <a:pPr indent="0" lvl="0" marL="0" rtl="0" algn="l">
+              <a:spcBef>
+                <a:spcPts val="0"/>
+              </a:spcBef>
+              <a:spcAft>
+                <a:spcPts val="0"/>
+              </a:spcAft>
+              <a:buNone/>
+            </a:pPr>
+            <a:r>
+              <a:t/>
+            </a:r>
+            <a:endParaRPr b="1" sz="1700">
+              <a:solidFill>
+                <a:schemeClr val="dk1"/>
+              </a:solidFill>
+              <a:latin typeface="Calibri"/>
+              <a:ea typeface="Calibri"/>
+              <a:cs typeface="Calibri"/>
+              <a:sym typeface="Calibri"/>
+            </a:endParaRPr>
+          </a:p>
+        </p:txBody>
+      </p:sp>
+      <p:sp>
+        <p:nvSpPr>
+          <p:cNvPr id="140" name="Google Shape;140;p17"/>
+          <p:cNvSpPr txBox="1"/>
+          <p:nvPr/>
+        </p:nvSpPr>
+        <p:spPr>
+          <a:xfrm>
+            <a:off x="2759750" y="4379000"/>
+            <a:ext cx="2218200" cy="415500"/>
+          </a:xfrm>
+          <a:prstGeom prst="rect">
+            <a:avLst/>
+          </a:prstGeom>
+          <a:noFill/>
+          <a:ln>
+            <a:noFill/>
+          </a:ln>
+        </p:spPr>
+        <p:txBody>
+          <a:bodyPr anchorCtr="0" anchor="t" bIns="91425" lIns="91425" spcFirstLastPara="1" rIns="91425" wrap="square" tIns="91425">
+            <a:noAutofit/>
+          </a:bodyPr>
+          <a:lstStyle/>
+          <a:p>
+            <a:pPr indent="0" lvl="0" marL="0" rtl="0" algn="l">
+              <a:spcBef>
+                <a:spcPts val="0"/>
+              </a:spcBef>
+              <a:spcAft>
+                <a:spcPts val="0"/>
+              </a:spcAft>
+              <a:buNone/>
+            </a:pPr>
+            <a:r>
+              <a:t/>
+            </a:r>
+            <a:endParaRPr sz="1600">
               <a:solidFill>
                 <a:schemeClr val="dk1"/>
               </a:solidFill>
@@ -19770,7 +19909,7 @@
   <p:cSld>
     <p:spTree>
       <p:nvGrpSpPr>
-        <p:cNvPr id="147" name="Shape 147"/>
+        <p:cNvPr id="148" name="Shape 148"/>
         <p:cNvGrpSpPr/>
         <p:nvPr/>
       </p:nvGrpSpPr>
@@ -19784,7 +19923,7 @@
       </p:grpSpPr>
       <p:sp>
         <p:nvSpPr>
-          <p:cNvPr id="148" name="Google Shape;148;p18"/>
+          <p:cNvPr id="149" name="Google Shape;149;p18"/>
           <p:cNvSpPr/>
           <p:nvPr/>
         </p:nvSpPr>
@@ -19831,7 +19970,7 @@
       </p:sp>
       <p:sp>
         <p:nvSpPr>
-          <p:cNvPr id="149" name="Google Shape;149;p18"/>
+          <p:cNvPr id="150" name="Google Shape;150;p18"/>
           <p:cNvSpPr txBox="1"/>
           <p:nvPr/>
         </p:nvSpPr>
@@ -19921,13 +20060,13 @@
       </p:sp>
       <p:sp>
         <p:nvSpPr>
-          <p:cNvPr id="150" name="Google Shape;150;p18"/>
+          <p:cNvPr id="151" name="Google Shape;151;p18"/>
           <p:cNvSpPr txBox="1"/>
           <p:nvPr/>
         </p:nvSpPr>
         <p:spPr>
           <a:xfrm>
-            <a:off x="1007600" y="1558625"/>
+            <a:off x="913650" y="1441200"/>
             <a:ext cx="6942900" cy="2920500"/>
           </a:xfrm>
           <a:prstGeom prst="rect">
@@ -19979,7 +20118,7 @@
             </a:endParaRPr>
           </a:p>
           <a:p>
-            <a:pPr indent="-298450" lvl="0" marL="457200" rtl="0" algn="l">
+            <a:pPr indent="-311150" lvl="0" marL="457200" rtl="0" algn="l">
               <a:lnSpc>
                 <a:spcPct val="115000"/>
               </a:lnSpc>
@@ -19992,11 +20131,11 @@
               <a:buClr>
                 <a:schemeClr val="dk1"/>
               </a:buClr>
-              <a:buSzPts val="1100"/>
+              <a:buSzPts val="1300"/>
               <a:buChar char="●"/>
             </a:pPr>
             <a:r>
-              <a:rPr b="1" lang="en" sz="1100">
+              <a:rPr b="1" lang="en" sz="1300">
                 <a:solidFill>
                   <a:schemeClr val="dk1"/>
                 </a:solidFill>
@@ -20008,7 +20147,7 @@
               <a:t>Data Preprocessing</a:t>
             </a:r>
             <a:r>
-              <a:rPr lang="en" sz="1100">
+              <a:rPr lang="en" sz="1300">
                 <a:solidFill>
                   <a:schemeClr val="dk1"/>
                 </a:solidFill>
@@ -20020,7 +20159,7 @@
               <a:t>: Cleaned legal texts (removed special characters, stopwords, lowercased).</a:t>
             </a:r>
             <a:br>
-              <a:rPr lang="en" sz="1100">
+              <a:rPr lang="en" sz="1300">
                 <a:solidFill>
                   <a:schemeClr val="dk1"/>
                 </a:solidFill>
@@ -20030,7 +20169,7 @@
                 <a:sym typeface="Lexend Deca"/>
               </a:rPr>
             </a:br>
-            <a:endParaRPr sz="1100">
+            <a:endParaRPr sz="1300">
               <a:solidFill>
                 <a:schemeClr val="dk1"/>
               </a:solidFill>
@@ -20041,7 +20180,7 @@
             </a:endParaRPr>
           </a:p>
           <a:p>
-            <a:pPr indent="-298450" lvl="0" marL="457200" rtl="0" algn="l">
+            <a:pPr indent="-311150" lvl="0" marL="457200" rtl="0" algn="l">
               <a:lnSpc>
                 <a:spcPct val="115000"/>
               </a:lnSpc>
@@ -20054,11 +20193,11 @@
               <a:buClr>
                 <a:schemeClr val="dk1"/>
               </a:buClr>
-              <a:buSzPts val="1100"/>
+              <a:buSzPts val="1300"/>
               <a:buChar char="●"/>
             </a:pPr>
             <a:r>
-              <a:rPr b="1" lang="en" sz="1100">
+              <a:rPr b="1" lang="en" sz="1300">
                 <a:solidFill>
                   <a:schemeClr val="dk1"/>
                 </a:solidFill>
@@ -20070,7 +20209,7 @@
               <a:t>Dataset Filtering</a:t>
             </a:r>
             <a:r>
-              <a:rPr lang="en" sz="1100">
+              <a:rPr lang="en" sz="1300">
                 <a:solidFill>
                   <a:schemeClr val="dk1"/>
                 </a:solidFill>
@@ -20082,7 +20221,7 @@
               <a:t>: Extracted relevant cases from AILA dataset using keyword-based filtering (e.g., </a:t>
             </a:r>
             <a:r>
-              <a:rPr i="1" lang="en" sz="1100">
+              <a:rPr i="1" lang="en" sz="1300">
                 <a:solidFill>
                   <a:schemeClr val="dk1"/>
                 </a:solidFill>
@@ -20094,7 +20233,7 @@
               <a:t>fraud</a:t>
             </a:r>
             <a:r>
-              <a:rPr lang="en" sz="1100">
+              <a:rPr lang="en" sz="1300">
                 <a:solidFill>
                   <a:schemeClr val="dk1"/>
                 </a:solidFill>
@@ -20106,7 +20245,7 @@
               <a:t>, </a:t>
             </a:r>
             <a:r>
-              <a:rPr i="1" lang="en" sz="1100">
+              <a:rPr i="1" lang="en" sz="1300">
                 <a:solidFill>
                   <a:schemeClr val="dk1"/>
                 </a:solidFill>
@@ -20118,7 +20257,7 @@
               <a:t>harassment</a:t>
             </a:r>
             <a:r>
-              <a:rPr lang="en" sz="1100">
+              <a:rPr lang="en" sz="1300">
                 <a:solidFill>
                   <a:schemeClr val="dk1"/>
                 </a:solidFill>
@@ -20130,7 +20269,7 @@
               <a:t>, </a:t>
             </a:r>
             <a:r>
-              <a:rPr i="1" lang="en" sz="1100">
+              <a:rPr i="1" lang="en" sz="1300">
                 <a:solidFill>
                   <a:schemeClr val="dk1"/>
                 </a:solidFill>
@@ -20142,7 +20281,7 @@
               <a:t>false allegations</a:t>
             </a:r>
             <a:r>
-              <a:rPr lang="en" sz="1100">
+              <a:rPr lang="en" sz="1300">
                 <a:solidFill>
                   <a:schemeClr val="dk1"/>
                 </a:solidFill>
@@ -20154,7 +20293,7 @@
               <a:t>).</a:t>
             </a:r>
             <a:br>
-              <a:rPr lang="en" sz="1100">
+              <a:rPr lang="en" sz="1300">
                 <a:solidFill>
                   <a:schemeClr val="dk1"/>
                 </a:solidFill>
@@ -20164,7 +20303,7 @@
                 <a:sym typeface="Lexend Deca"/>
               </a:rPr>
             </a:br>
-            <a:endParaRPr sz="1100">
+            <a:endParaRPr sz="1300">
               <a:solidFill>
                 <a:schemeClr val="dk1"/>
               </a:solidFill>
@@ -20175,7 +20314,7 @@
             </a:endParaRPr>
           </a:p>
           <a:p>
-            <a:pPr indent="-298450" lvl="0" marL="457200" rtl="0" algn="l">
+            <a:pPr indent="-311150" lvl="0" marL="457200" rtl="0" algn="l">
               <a:lnSpc>
                 <a:spcPct val="115000"/>
               </a:lnSpc>
@@ -20188,11 +20327,11 @@
               <a:buClr>
                 <a:schemeClr val="dk1"/>
               </a:buClr>
-              <a:buSzPts val="1100"/>
+              <a:buSzPts val="1300"/>
               <a:buChar char="●"/>
             </a:pPr>
             <a:r>
-              <a:rPr b="1" lang="en" sz="1100">
+              <a:rPr b="1" lang="en" sz="1300">
                 <a:solidFill>
                   <a:schemeClr val="dk1"/>
                 </a:solidFill>
@@ -20204,7 +20343,7 @@
               <a:t>Tokenization</a:t>
             </a:r>
             <a:r>
-              <a:rPr lang="en" sz="1100">
+              <a:rPr lang="en" sz="1300">
                 <a:solidFill>
                   <a:schemeClr val="dk1"/>
                 </a:solidFill>
@@ -20216,7 +20355,7 @@
               <a:t>: Used BERT tokenizer with padding, truncation (</a:t>
             </a:r>
             <a:r>
-              <a:rPr lang="en" sz="1100">
+              <a:rPr lang="en" sz="1300">
                 <a:solidFill>
                   <a:srgbClr val="188038"/>
                 </a:solidFill>
@@ -20228,7 +20367,7 @@
               <a:t>max_length=512</a:t>
             </a:r>
             <a:r>
-              <a:rPr lang="en" sz="1100">
+              <a:rPr lang="en" sz="1300">
                 <a:solidFill>
                   <a:schemeClr val="dk1"/>
                 </a:solidFill>
@@ -20240,7 +20379,7 @@
               <a:t>).</a:t>
             </a:r>
             <a:br>
-              <a:rPr lang="en" sz="1100">
+              <a:rPr lang="en" sz="1300">
                 <a:solidFill>
                   <a:schemeClr val="dk1"/>
                 </a:solidFill>
@@ -20250,7 +20389,7 @@
                 <a:sym typeface="Lexend Deca"/>
               </a:rPr>
             </a:br>
-            <a:endParaRPr sz="1100">
+            <a:endParaRPr sz="1300">
               <a:solidFill>
                 <a:schemeClr val="dk1"/>
               </a:solidFill>
@@ -20261,7 +20400,7 @@
             </a:endParaRPr>
           </a:p>
           <a:p>
-            <a:pPr indent="-298450" lvl="0" marL="457200" rtl="0" algn="l">
+            <a:pPr indent="-311150" lvl="0" marL="457200" rtl="0" algn="l">
               <a:lnSpc>
                 <a:spcPct val="115000"/>
               </a:lnSpc>
@@ -20274,11 +20413,11 @@
               <a:buClr>
                 <a:schemeClr val="dk1"/>
               </a:buClr>
-              <a:buSzPts val="1100"/>
+              <a:buSzPts val="1300"/>
               <a:buChar char="●"/>
             </a:pPr>
             <a:r>
-              <a:rPr b="1" lang="en" sz="1100">
+              <a:rPr b="1" lang="en" sz="1300">
                 <a:solidFill>
                   <a:schemeClr val="dk1"/>
                 </a:solidFill>
@@ -20290,7 +20429,7 @@
               <a:t>Dataset Creation</a:t>
             </a:r>
             <a:r>
-              <a:rPr lang="en" sz="1100">
+              <a:rPr lang="en" sz="1300">
                 <a:solidFill>
                   <a:schemeClr val="dk1"/>
                 </a:solidFill>
@@ -20302,13 +20441,13 @@
               <a:t>: Converted tokenized text to PyTorch tensors, split into train (80%) &amp; validation (20%), and saved it.</a:t>
             </a:r>
             <a:br>
-              <a:rPr lang="en" sz="1100">
+              <a:rPr lang="en" sz="1300">
                 <a:solidFill>
                   <a:schemeClr val="dk1"/>
                 </a:solidFill>
               </a:rPr>
             </a:br>
-            <a:endParaRPr sz="1100">
+            <a:endParaRPr sz="1300">
               <a:solidFill>
                 <a:schemeClr val="dk1"/>
               </a:solidFill>
@@ -20351,7 +20490,7 @@
   <p:cSld>
     <p:spTree>
       <p:nvGrpSpPr>
-        <p:cNvPr id="158" name="Shape 158"/>
+        <p:cNvPr id="159" name="Shape 159"/>
         <p:cNvGrpSpPr/>
         <p:nvPr/>
       </p:nvGrpSpPr>
@@ -20365,7 +20504,7 @@
       </p:grpSpPr>
       <p:sp>
         <p:nvSpPr>
-          <p:cNvPr id="159" name="Google Shape;159;p19"/>
+          <p:cNvPr id="160" name="Google Shape;160;p19"/>
           <p:cNvSpPr/>
           <p:nvPr/>
         </p:nvSpPr>
@@ -20412,7 +20551,7 @@
       </p:sp>
       <p:sp>
         <p:nvSpPr>
-          <p:cNvPr id="160" name="Google Shape;160;p19"/>
+          <p:cNvPr id="161" name="Google Shape;161;p19"/>
           <p:cNvSpPr txBox="1"/>
           <p:nvPr/>
         </p:nvSpPr>
@@ -20478,14 +20617,14 @@
       </p:sp>
       <p:sp>
         <p:nvSpPr>
-          <p:cNvPr id="161" name="Google Shape;161;p19"/>
+          <p:cNvPr id="162" name="Google Shape;162;p19"/>
           <p:cNvSpPr txBox="1"/>
           <p:nvPr/>
         </p:nvSpPr>
         <p:spPr>
           <a:xfrm>
-            <a:off x="956575" y="1542000"/>
-            <a:ext cx="6978300" cy="3083100"/>
+            <a:off x="624750" y="1093850"/>
+            <a:ext cx="6928500" cy="4143600"/>
           </a:xfrm>
           <a:prstGeom prst="rect">
             <a:avLst/>
@@ -20516,7 +20655,7 @@
             <a:r>
               <a:t/>
             </a:r>
-            <a:endParaRPr b="1" sz="1800">
+            <a:endParaRPr b="1" sz="2000">
               <a:solidFill>
                 <a:schemeClr val="dk1"/>
               </a:solidFill>
@@ -20527,7 +20666,7 @@
             </a:endParaRPr>
           </a:p>
           <a:p>
-            <a:pPr indent="-304800" lvl="0" marL="457200" rtl="0" algn="l">
+            <a:pPr indent="-317500" lvl="0" marL="457200" rtl="0" algn="l">
               <a:lnSpc>
                 <a:spcPct val="150000"/>
               </a:lnSpc>
@@ -20540,11 +20679,11 @@
               <a:buClr>
                 <a:schemeClr val="dk1"/>
               </a:buClr>
-              <a:buSzPts val="1200"/>
+              <a:buSzPts val="1400"/>
               <a:buChar char="●"/>
             </a:pPr>
             <a:r>
-              <a:rPr b="1" lang="en" sz="1200">
+              <a:rPr b="1" lang="en">
                 <a:solidFill>
                   <a:schemeClr val="dk1"/>
                 </a:solidFill>
@@ -20556,7 +20695,7 @@
               <a:t>Backend Development</a:t>
             </a:r>
             <a:r>
-              <a:rPr lang="en" sz="1200">
+              <a:rPr lang="en">
                 <a:solidFill>
                   <a:schemeClr val="dk1"/>
                 </a:solidFill>
@@ -20565,10 +20704,10 @@
                 <a:cs typeface="Lexend Deca"/>
                 <a:sym typeface="Lexend Deca"/>
               </a:rPr>
-              <a:t> – Build APIs to connect Legal-BERT with frontend, ensuring secure </a:t>
+              <a:t> – Build APIs to connect Legal-BERT with frontend, ensuring secure</a:t>
             </a:r>
             <a:r>
-              <a:rPr lang="en" sz="1200">
+              <a:rPr lang="en">
                 <a:solidFill>
                   <a:schemeClr val="dk1"/>
                 </a:solidFill>
@@ -20577,10 +20716,10 @@
                 <a:cs typeface="Lexend Deca"/>
                 <a:sym typeface="Lexend Deca"/>
               </a:rPr>
-              <a:t>            </a:t>
+              <a:t> </a:t>
             </a:r>
             <a:r>
-              <a:rPr lang="en" sz="1200">
+              <a:rPr lang="en">
                 <a:solidFill>
                   <a:schemeClr val="dk1"/>
                 </a:solidFill>
@@ -20591,7 +20730,7 @@
               </a:rPr>
               <a:t>data  handling.</a:t>
             </a:r>
-            <a:endParaRPr sz="1200">
+            <a:endParaRPr>
               <a:solidFill>
                 <a:schemeClr val="dk1"/>
               </a:solidFill>
@@ -20602,7 +20741,7 @@
             </a:endParaRPr>
           </a:p>
           <a:p>
-            <a:pPr indent="-304800" lvl="0" marL="457200" rtl="0" algn="l">
+            <a:pPr indent="-317500" lvl="0" marL="457200" rtl="0" algn="l">
               <a:lnSpc>
                 <a:spcPct val="150000"/>
               </a:lnSpc>
@@ -20615,11 +20754,11 @@
               <a:buClr>
                 <a:schemeClr val="dk1"/>
               </a:buClr>
-              <a:buSzPts val="1200"/>
+              <a:buSzPts val="1400"/>
               <a:buChar char="●"/>
             </a:pPr>
             <a:r>
-              <a:rPr b="1" lang="en" sz="1200">
+              <a:rPr b="1" lang="en">
                 <a:solidFill>
                   <a:schemeClr val="dk1"/>
                 </a:solidFill>
@@ -20631,7 +20770,7 @@
               <a:t>Deployment &amp; Implementation</a:t>
             </a:r>
             <a:r>
-              <a:rPr lang="en" sz="1200">
+              <a:rPr lang="en">
                 <a:solidFill>
                   <a:schemeClr val="dk1"/>
                 </a:solidFill>
@@ -20642,7 +20781,7 @@
               </a:rPr>
               <a:t> – Deploy model via Vercel, Railway and Supabase.</a:t>
             </a:r>
-            <a:endParaRPr b="1" sz="1200">
+            <a:endParaRPr b="1">
               <a:solidFill>
                 <a:schemeClr val="dk1"/>
               </a:solidFill>
@@ -20653,7 +20792,7 @@
             </a:endParaRPr>
           </a:p>
           <a:p>
-            <a:pPr indent="-304800" lvl="0" marL="457200" rtl="0" algn="l">
+            <a:pPr indent="-317500" lvl="0" marL="457200" rtl="0" algn="l">
               <a:lnSpc>
                 <a:spcPct val="150000"/>
               </a:lnSpc>
@@ -20666,11 +20805,11 @@
               <a:buClr>
                 <a:schemeClr val="dk1"/>
               </a:buClr>
-              <a:buSzPts val="1200"/>
+              <a:buSzPts val="1400"/>
               <a:buChar char="●"/>
             </a:pPr>
             <a:r>
-              <a:rPr b="1" lang="en" sz="1200">
+              <a:rPr b="1" lang="en">
                 <a:solidFill>
                   <a:schemeClr val="dk1"/>
                 </a:solidFill>
@@ -20682,7 +20821,7 @@
               <a:t>Backend-Frontend Integration</a:t>
             </a:r>
             <a:r>
-              <a:rPr lang="en" sz="1200">
+              <a:rPr lang="en">
                 <a:solidFill>
                   <a:schemeClr val="dk1"/>
                 </a:solidFill>
@@ -20693,7 +20832,7 @@
               </a:rPr>
               <a:t> – Connect AI services with chatbot for seamless user interactions.</a:t>
             </a:r>
-            <a:endParaRPr sz="1200">
+            <a:endParaRPr>
               <a:solidFill>
                 <a:schemeClr val="dk1"/>
               </a:solidFill>
@@ -20704,7 +20843,7 @@
             </a:endParaRPr>
           </a:p>
           <a:p>
-            <a:pPr indent="-304800" lvl="0" marL="457200" rtl="0" algn="l">
+            <a:pPr indent="-317500" lvl="0" marL="457200" rtl="0" algn="l">
               <a:lnSpc>
                 <a:spcPct val="150000"/>
               </a:lnSpc>
@@ -20717,11 +20856,11 @@
               <a:buClr>
                 <a:schemeClr val="dk1"/>
               </a:buClr>
-              <a:buSzPts val="1200"/>
+              <a:buSzPts val="1400"/>
               <a:buChar char="●"/>
             </a:pPr>
             <a:r>
-              <a:rPr b="1" lang="en" sz="1200">
+              <a:rPr b="1" lang="en">
                 <a:solidFill>
                   <a:schemeClr val="dk1"/>
                 </a:solidFill>
@@ -20733,7 +20872,7 @@
               <a:t>Security &amp; Compliance</a:t>
             </a:r>
             <a:r>
-              <a:rPr lang="en" sz="1200">
+              <a:rPr lang="en">
                 <a:solidFill>
                   <a:schemeClr val="dk1"/>
                 </a:solidFill>
@@ -20744,7 +20883,7 @@
               </a:rPr>
               <a:t> – Strengthen authentication &amp; legal data privacy.</a:t>
             </a:r>
-            <a:endParaRPr sz="1200">
+            <a:endParaRPr>
               <a:solidFill>
                 <a:schemeClr val="dk1"/>
               </a:solidFill>
@@ -20768,7 +20907,7 @@
               <a:buNone/>
             </a:pPr>
             <a:br>
-              <a:rPr lang="en" sz="1200">
+              <a:rPr lang="en">
                 <a:solidFill>
                   <a:schemeClr val="dk1"/>
                 </a:solidFill>
@@ -20779,7 +20918,7 @@
               </a:rPr>
             </a:br>
             <a:br>
-              <a:rPr lang="en" sz="1200">
+              <a:rPr lang="en">
                 <a:solidFill>
                   <a:schemeClr val="dk1"/>
                 </a:solidFill>
@@ -20789,7 +20928,7 @@
                 <a:sym typeface="Lexend Deca"/>
               </a:rPr>
             </a:br>
-            <a:endParaRPr sz="1200">
+            <a:endParaRPr>
               <a:solidFill>
                 <a:schemeClr val="dk1"/>
               </a:solidFill>
